--- a/ppt/Portfolio Website - Ellie Chen.pptx
+++ b/ppt/Portfolio Website - Ellie Chen.pptx
@@ -17,7 +17,7 @@
     <p:sldId id="266" r:id="rId8"/>
     <p:sldId id="267" r:id="rId9"/>
     <p:sldId id="259" r:id="rId10"/>
-    <p:sldId id="260" r:id="rId11"/>
+    <p:sldId id="268" r:id="rId11"/>
   </p:sldIdLst>
   <p:sldSz cx="12192000" cy="6858000"/>
   <p:notesSz cx="6858000" cy="9144000"/>
@@ -206,7 +206,7 @@
           <a:p>
             <a:fld id="{72A3CF65-4A60-4F2A-BCAD-26366F923B9D}" type="datetimeFigureOut">
               <a:rPr lang="en-AU" smtClean="0"/>
-              <a:t>22/09/2019</a:t>
+              <a:t>24/09/2019</a:t>
             </a:fld>
             <a:endParaRPr lang="en-AU" dirty="0"/>
           </a:p>
@@ -632,7 +632,7 @@
     </p:spTree>
     <p:extLst>
       <p:ext uri="{BB962C8B-B14F-4D97-AF65-F5344CB8AC3E}">
-        <p14:creationId xmlns:p14="http://schemas.microsoft.com/office/powerpoint/2010/main" val="749193769"/>
+        <p14:creationId xmlns:p14="http://schemas.microsoft.com/office/powerpoint/2010/main" val="762220494"/>
       </p:ext>
     </p:extLst>
   </p:cSld>
@@ -1354,31 +1354,7 @@
             </a:pPr>
             <a:r>
               <a:rPr lang="en-AU" dirty="0"/>
-              <a:t>Will write down all the html structures first (header, footer, </a:t>
-            </a:r>
-            <a:r>
-              <a:rPr lang="en-AU" dirty="0" err="1"/>
-              <a:t>divs</a:t>
-            </a:r>
-            <a:r>
-              <a:rPr lang="en-AU" dirty="0"/>
-              <a:t>, </a:t>
-            </a:r>
-            <a:r>
-              <a:rPr lang="en-AU" dirty="0" err="1"/>
-              <a:t>divs</a:t>
-            </a:r>
-            <a:r>
-              <a:rPr lang="en-AU" dirty="0"/>
-              <a:t> inside </a:t>
-            </a:r>
-            <a:r>
-              <a:rPr lang="en-AU" dirty="0" err="1"/>
-              <a:t>divs</a:t>
-            </a:r>
-            <a:r>
-              <a:rPr lang="en-AU" dirty="0"/>
-              <a:t> ), then would be easier to use flexbox for positioning</a:t>
+              <a:t>Will write down all the html structures first (header, footer, divs, divs inside divs ), then would be easier to use flexbox for positioning</a:t>
             </a:r>
           </a:p>
         </p:txBody>
@@ -1645,7 +1621,7 @@
           <a:p>
             <a:fld id="{35C870D3-11EA-42F3-B33A-9AA756C1A4BE}" type="datetimeFigureOut">
               <a:rPr lang="en-AU" smtClean="0"/>
-              <a:t>22/09/2019</a:t>
+              <a:t>24/09/2019</a:t>
             </a:fld>
             <a:endParaRPr lang="en-AU" dirty="0"/>
           </a:p>
@@ -1853,7 +1829,7 @@
           <a:p>
             <a:fld id="{35C870D3-11EA-42F3-B33A-9AA756C1A4BE}" type="datetimeFigureOut">
               <a:rPr lang="en-AU" smtClean="0"/>
-              <a:t>22/09/2019</a:t>
+              <a:t>24/09/2019</a:t>
             </a:fld>
             <a:endParaRPr lang="en-AU" dirty="0"/>
           </a:p>
@@ -2109,7 +2085,7 @@
           <a:p>
             <a:fld id="{35C870D3-11EA-42F3-B33A-9AA756C1A4BE}" type="datetimeFigureOut">
               <a:rPr lang="en-AU" smtClean="0"/>
-              <a:t>22/09/2019</a:t>
+              <a:t>24/09/2019</a:t>
             </a:fld>
             <a:endParaRPr lang="en-AU" dirty="0"/>
           </a:p>
@@ -2283,7 +2259,7 @@
           <a:p>
             <a:fld id="{35C870D3-11EA-42F3-B33A-9AA756C1A4BE}" type="datetimeFigureOut">
               <a:rPr lang="en-AU" smtClean="0"/>
-              <a:t>22/09/2019</a:t>
+              <a:t>24/09/2019</a:t>
             </a:fld>
             <a:endParaRPr lang="en-AU" dirty="0"/>
           </a:p>
@@ -2626,7 +2602,7 @@
           <a:p>
             <a:fld id="{35C870D3-11EA-42F3-B33A-9AA756C1A4BE}" type="datetimeFigureOut">
               <a:rPr lang="en-AU" smtClean="0"/>
-              <a:t>22/09/2019</a:t>
+              <a:t>24/09/2019</a:t>
             </a:fld>
             <a:endParaRPr lang="en-AU" dirty="0"/>
           </a:p>
@@ -2901,7 +2877,7 @@
           <a:p>
             <a:fld id="{35C870D3-11EA-42F3-B33A-9AA756C1A4BE}" type="datetimeFigureOut">
               <a:rPr lang="en-AU" smtClean="0"/>
-              <a:t>22/09/2019</a:t>
+              <a:t>24/09/2019</a:t>
             </a:fld>
             <a:endParaRPr lang="en-AU" dirty="0"/>
           </a:p>
@@ -3280,7 +3256,7 @@
           <a:p>
             <a:fld id="{35C870D3-11EA-42F3-B33A-9AA756C1A4BE}" type="datetimeFigureOut">
               <a:rPr lang="en-AU" smtClean="0"/>
-              <a:t>22/09/2019</a:t>
+              <a:t>24/09/2019</a:t>
             </a:fld>
             <a:endParaRPr lang="en-AU" dirty="0"/>
           </a:p>
@@ -3398,7 +3374,7 @@
           <a:p>
             <a:fld id="{35C870D3-11EA-42F3-B33A-9AA756C1A4BE}" type="datetimeFigureOut">
               <a:rPr lang="en-AU" smtClean="0"/>
-              <a:t>22/09/2019</a:t>
+              <a:t>24/09/2019</a:t>
             </a:fld>
             <a:endParaRPr lang="en-AU" dirty="0"/>
           </a:p>
@@ -3569,7 +3545,7 @@
           <a:p>
             <a:fld id="{35C870D3-11EA-42F3-B33A-9AA756C1A4BE}" type="datetimeFigureOut">
               <a:rPr lang="en-AU" smtClean="0"/>
-              <a:t>22/09/2019</a:t>
+              <a:t>24/09/2019</a:t>
             </a:fld>
             <a:endParaRPr lang="en-AU" dirty="0"/>
           </a:p>
@@ -3923,7 +3899,7 @@
           <a:p>
             <a:fld id="{35C870D3-11EA-42F3-B33A-9AA756C1A4BE}" type="datetimeFigureOut">
               <a:rPr lang="en-AU" smtClean="0"/>
-              <a:t>22/09/2019</a:t>
+              <a:t>24/09/2019</a:t>
             </a:fld>
             <a:endParaRPr lang="en-AU" dirty="0"/>
           </a:p>
@@ -4304,7 +4280,7 @@
           <a:p>
             <a:fld id="{35C870D3-11EA-42F3-B33A-9AA756C1A4BE}" type="datetimeFigureOut">
               <a:rPr lang="en-AU" smtClean="0"/>
-              <a:t>22/09/2019</a:t>
+              <a:t>24/09/2019</a:t>
             </a:fld>
             <a:endParaRPr lang="en-AU" dirty="0"/>
           </a:p>
@@ -4591,7 +4567,7 @@
           <a:p>
             <a:fld id="{35C870D3-11EA-42F3-B33A-9AA756C1A4BE}" type="datetimeFigureOut">
               <a:rPr lang="en-AU" smtClean="0"/>
-              <a:t>22/09/2019</a:t>
+              <a:t>24/09/2019</a:t>
             </a:fld>
             <a:endParaRPr lang="en-AU" dirty="0"/>
           </a:p>
@@ -5587,7 +5563,7 @@
                   <a:schemeClr val="bg1"/>
                 </a:solidFill>
               </a:rPr>
-              <a:t>Screenshot Balsamiq Wireframes</a:t>
+              <a:t>Screenshot of Balsamiq Wireframes</a:t>
             </a:r>
             <a:endParaRPr lang="en-AU" dirty="0">
               <a:solidFill>
@@ -5930,7 +5906,7 @@
         </p:nvSpPr>
         <p:spPr>
           <a:xfrm>
-            <a:off x="6898641" y="2661920"/>
+            <a:off x="7152665" y="2293946"/>
             <a:ext cx="4257040" cy="1332548"/>
           </a:xfrm>
         </p:spPr>
@@ -5958,44 +5934,6 @@
           </a:p>
         </p:txBody>
       </p:sp>
-      <p:pic>
-        <p:nvPicPr>
-          <p:cNvPr id="7" name="Content Placeholder 6" descr="A dog that is lying down and looking at the camera&#10;&#10;Description automatically generated">
-            <a:extLst>
-              <a:ext uri="{FF2B5EF4-FFF2-40B4-BE49-F238E27FC236}">
-                <a16:creationId xmlns:a16="http://schemas.microsoft.com/office/drawing/2014/main" id="{1EFB54F8-B01A-43E7-B606-92B8EC46F9B4}"/>
-              </a:ext>
-            </a:extLst>
-          </p:cNvPr>
-          <p:cNvPicPr>
-            <a:picLocks noGrp="1" noChangeAspect="1"/>
-          </p:cNvPicPr>
-          <p:nvPr>
-            <p:ph idx="1"/>
-          </p:nvPr>
-        </p:nvPicPr>
-        <p:blipFill>
-          <a:blip r:embed="rId3">
-            <a:extLst>
-              <a:ext uri="{28A0092B-C50C-407E-A947-70E740481C1C}">
-                <a14:useLocalDpi xmlns:a14="http://schemas.microsoft.com/office/drawing/2010/main" val="0"/>
-              </a:ext>
-            </a:extLst>
-          </a:blip>
-          <a:stretch>
-            <a:fillRect/>
-          </a:stretch>
-        </p:blipFill>
-        <p:spPr>
-          <a:xfrm>
-            <a:off x="1518018" y="1388393"/>
-            <a:ext cx="4382537" cy="4305843"/>
-          </a:xfrm>
-          <a:prstGeom prst="rect">
-            <a:avLst/>
-          </a:prstGeom>
-        </p:spPr>
-      </p:pic>
       <p:cxnSp>
         <p:nvCxnSpPr>
           <p:cNvPr id="20" name="Straight Connector 19">
@@ -6261,10 +6199,81 @@
           </a:p>
         </p:txBody>
       </p:sp>
+      <p:pic>
+        <p:nvPicPr>
+          <p:cNvPr id="6" name="Content Placeholder 5" descr="A group of people holding a sign&#10;&#10;Description automatically generated">
+            <a:extLst>
+              <a:ext uri="{FF2B5EF4-FFF2-40B4-BE49-F238E27FC236}">
+                <a16:creationId xmlns:a16="http://schemas.microsoft.com/office/drawing/2014/main" id="{3D80111E-A9C7-420C-BD5C-5AD1AD11791C}"/>
+              </a:ext>
+            </a:extLst>
+          </p:cNvPr>
+          <p:cNvPicPr>
+            <a:picLocks noGrp="1" noChangeAspect="1"/>
+          </p:cNvPicPr>
+          <p:nvPr>
+            <p:ph idx="1"/>
+          </p:nvPr>
+        </p:nvPicPr>
+        <p:blipFill>
+          <a:blip r:embed="rId3">
+            <a:extLst>
+              <a:ext uri="{28A0092B-C50C-407E-A947-70E740481C1C}">
+                <a14:useLocalDpi xmlns:a14="http://schemas.microsoft.com/office/drawing/2010/main" val="0"/>
+              </a:ext>
+            </a:extLst>
+          </a:blip>
+          <a:stretch>
+            <a:fillRect/>
+          </a:stretch>
+        </p:blipFill>
+        <p:spPr>
+          <a:xfrm>
+            <a:off x="343362" y="242712"/>
+            <a:ext cx="3953065" cy="2946351"/>
+          </a:xfrm>
+        </p:spPr>
+      </p:pic>
+      <p:pic>
+        <p:nvPicPr>
+          <p:cNvPr id="19" name="Picture 18" descr="A person sitting on a bench posing for the camera&#10;&#10;Description automatically generated">
+            <a:extLst>
+              <a:ext uri="{FF2B5EF4-FFF2-40B4-BE49-F238E27FC236}">
+                <a16:creationId xmlns:a16="http://schemas.microsoft.com/office/drawing/2014/main" id="{3EAEAA62-CE5D-4AF4-8416-77DC2771FFDF}"/>
+              </a:ext>
+            </a:extLst>
+          </p:cNvPr>
+          <p:cNvPicPr>
+            <a:picLocks noChangeAspect="1"/>
+          </p:cNvPicPr>
+          <p:nvPr/>
+        </p:nvPicPr>
+        <p:blipFill>
+          <a:blip r:embed="rId4">
+            <a:extLst>
+              <a:ext uri="{28A0092B-C50C-407E-A947-70E740481C1C}">
+                <a14:useLocalDpi xmlns:a14="http://schemas.microsoft.com/office/drawing/2010/main" val="0"/>
+              </a:ext>
+            </a:extLst>
+          </a:blip>
+          <a:stretch>
+            <a:fillRect/>
+          </a:stretch>
+        </p:blipFill>
+        <p:spPr>
+          <a:xfrm>
+            <a:off x="2550965" y="3394051"/>
+            <a:ext cx="4021149" cy="2873781"/>
+          </a:xfrm>
+          <a:prstGeom prst="rect">
+            <a:avLst/>
+          </a:prstGeom>
+        </p:spPr>
+      </p:pic>
     </p:spTree>
     <p:extLst>
       <p:ext uri="{BB962C8B-B14F-4D97-AF65-F5344CB8AC3E}">
-        <p14:creationId xmlns:p14="http://schemas.microsoft.com/office/powerpoint/2010/main" val="4164715774"/>
+        <p14:creationId xmlns:p14="http://schemas.microsoft.com/office/powerpoint/2010/main" val="3919428580"/>
       </p:ext>
     </p:extLst>
   </p:cSld>
@@ -6413,6 +6422,29 @@
               <a:rPr lang="en-GB" sz="3200" b="1" dirty="0"/>
               <a:t> Various fun features to engage audience</a:t>
             </a:r>
+          </a:p>
+          <a:p>
+            <a:pPr>
+              <a:lnSpc>
+                <a:spcPct val="150000"/>
+              </a:lnSpc>
+              <a:buFont typeface="Wingdings" panose="05000000000000000000" pitchFamily="2" charset="2"/>
+              <a:buChar char="q"/>
+            </a:pPr>
+            <a:r>
+              <a:rPr lang="en-GB" sz="3200" b="1" dirty="0"/>
+              <a:t> Demonstrate my web development skills to prospective employers</a:t>
+            </a:r>
+          </a:p>
+          <a:p>
+            <a:pPr>
+              <a:lnSpc>
+                <a:spcPct val="150000"/>
+              </a:lnSpc>
+              <a:buFont typeface="Wingdings" panose="05000000000000000000" pitchFamily="2" charset="2"/>
+              <a:buChar char="q"/>
+            </a:pPr>
+            <a:endParaRPr lang="en-GB" sz="3200" b="1" dirty="0"/>
           </a:p>
           <a:p>
             <a:pPr marL="0" indent="0">
@@ -7517,15 +7549,21 @@
             <p:ph type="title"/>
           </p:nvPr>
         </p:nvSpPr>
-        <p:spPr/>
+        <p:spPr>
+          <a:xfrm>
+            <a:off x="196241" y="343803"/>
+            <a:ext cx="11799518" cy="1450757"/>
+          </a:xfrm>
+        </p:spPr>
         <p:txBody>
           <a:bodyPr>
             <a:noAutofit/>
           </a:bodyPr>
           <a:lstStyle/>
           <a:p>
-            <a:r>
-              <a:rPr lang="en-AU" sz="5900" u="sng" dirty="0">
+            <a:pPr algn="ctr"/>
+            <a:r>
+              <a:rPr lang="en-AU" sz="5900" dirty="0">
                 <a:solidFill>
                   <a:srgbClr val="006600"/>
                 </a:solidFill>
@@ -7537,7 +7575,36 @@
                   </a:outerShdw>
                 </a:effectLst>
               </a:rPr>
-              <a:t>Blog  &amp; Resizable Nav Bar</a:t>
+              <a:t>Blog – </a:t>
+            </a:r>
+            <a:br>
+              <a:rPr lang="en-AU" sz="5900" dirty="0">
+                <a:solidFill>
+                  <a:srgbClr val="006600"/>
+                </a:solidFill>
+                <a:effectLst>
+                  <a:outerShdw blurRad="38100" dist="38100" dir="2700000" algn="tl">
+                    <a:srgbClr val="000000">
+                      <a:alpha val="43137"/>
+                    </a:srgbClr>
+                  </a:outerShdw>
+                </a:effectLst>
+              </a:rPr>
+            </a:br>
+            <a:r>
+              <a:rPr lang="en-AU" sz="5900" dirty="0">
+                <a:solidFill>
+                  <a:srgbClr val="006600"/>
+                </a:solidFill>
+                <a:effectLst>
+                  <a:outerShdw blurRad="38100" dist="38100" dir="2700000" algn="tl">
+                    <a:srgbClr val="000000">
+                      <a:alpha val="43137"/>
+                    </a:srgbClr>
+                  </a:outerShdw>
+                </a:effectLst>
+              </a:rPr>
+              <a:t>Resizable Nav Bar | Fixed Contact Icons</a:t>
             </a:r>
           </a:p>
         </p:txBody>
@@ -7651,40 +7718,6 @@
           </a:prstGeom>
         </p:spPr>
       </p:pic>
-      <p:sp>
-        <p:nvSpPr>
-          <p:cNvPr id="8" name="Rectangle 7">
-            <a:extLst>
-              <a:ext uri="{FF2B5EF4-FFF2-40B4-BE49-F238E27FC236}">
-                <a16:creationId xmlns:a16="http://schemas.microsoft.com/office/drawing/2014/main" id="{038AB75C-1FB1-4018-B5FF-0C511292D07B}"/>
-              </a:ext>
-            </a:extLst>
-          </p:cNvPr>
-          <p:cNvSpPr/>
-          <p:nvPr/>
-        </p:nvSpPr>
-        <p:spPr>
-          <a:xfrm>
-            <a:off x="5144553" y="3244334"/>
-            <a:ext cx="1902893" cy="369332"/>
-          </a:xfrm>
-          <a:prstGeom prst="rect">
-            <a:avLst/>
-          </a:prstGeom>
-        </p:spPr>
-        <p:txBody>
-          <a:bodyPr wrap="none">
-            <a:spAutoFit/>
-          </a:bodyPr>
-          <a:lstStyle/>
-          <a:p>
-            <a:r>
-              <a:rPr lang="en-AU" dirty="0"/>
-              <a:t>wireframe_5_blog</a:t>
-            </a:r>
-          </a:p>
-        </p:txBody>
-      </p:sp>
       <p:sp>
         <p:nvSpPr>
           <p:cNvPr id="10" name="Rectangle 9">
